--- a/BioPassMidPointPres.pptx
+++ b/BioPassMidPointPres.pptx
@@ -299,18 +299,48 @@
   <pc:docChgLst>
     <pc:chgData name="Aisha Ntuli" userId="9e3e1cbc-968a-4935-af00-6383e8da95d2" providerId="ADAL" clId="{801039E0-E800-434D-8231-B55AB7448776}"/>
     <pc:docChg chg="custSel modSld">
-      <pc:chgData name="Aisha Ntuli" userId="9e3e1cbc-968a-4935-af00-6383e8da95d2" providerId="ADAL" clId="{801039E0-E800-434D-8231-B55AB7448776}" dt="2024-12-13T19:01:19.759" v="117" actId="20577"/>
+      <pc:chgData name="Aisha Ntuli" userId="9e3e1cbc-968a-4935-af00-6383e8da95d2" providerId="ADAL" clId="{801039E0-E800-434D-8231-B55AB7448776}" dt="2024-12-16T10:17:34.534" v="136" actId="1036"/>
       <pc:docMkLst>
         <pc:docMk/>
       </pc:docMkLst>
       <pc:sldChg chg="modSp mod">
-        <pc:chgData name="Aisha Ntuli" userId="9e3e1cbc-968a-4935-af00-6383e8da95d2" providerId="ADAL" clId="{801039E0-E800-434D-8231-B55AB7448776}" dt="2024-12-13T19:01:19.759" v="117" actId="20577"/>
+        <pc:chgData name="Aisha Ntuli" userId="9e3e1cbc-968a-4935-af00-6383e8da95d2" providerId="ADAL" clId="{801039E0-E800-434D-8231-B55AB7448776}" dt="2024-12-16T10:17:34.534" v="136" actId="1036"/>
+        <pc:sldMkLst>
+          <pc:docMk/>
+          <pc:sldMk cId="0" sldId="262"/>
+        </pc:sldMkLst>
+        <pc:spChg chg="mod">
+          <ac:chgData name="Aisha Ntuli" userId="9e3e1cbc-968a-4935-af00-6383e8da95d2" providerId="ADAL" clId="{801039E0-E800-434D-8231-B55AB7448776}" dt="2024-12-16T10:17:34.534" v="136" actId="1036"/>
+          <ac:spMkLst>
+            <pc:docMk/>
+            <pc:sldMk cId="0" sldId="262"/>
+            <ac:spMk id="2" creationId="{902287D6-4F42-B14C-7696-758638AACA2A}"/>
+          </ac:spMkLst>
+        </pc:spChg>
+      </pc:sldChg>
+      <pc:sldChg chg="modSp mod">
+        <pc:chgData name="Aisha Ntuli" userId="9e3e1cbc-968a-4935-af00-6383e8da95d2" providerId="ADAL" clId="{801039E0-E800-434D-8231-B55AB7448776}" dt="2024-12-15T22:38:17.305" v="134" actId="1036"/>
+        <pc:sldMkLst>
+          <pc:docMk/>
+          <pc:sldMk cId="0" sldId="271"/>
+        </pc:sldMkLst>
+        <pc:spChg chg="mod">
+          <ac:chgData name="Aisha Ntuli" userId="9e3e1cbc-968a-4935-af00-6383e8da95d2" providerId="ADAL" clId="{801039E0-E800-434D-8231-B55AB7448776}" dt="2024-12-15T22:38:17.305" v="134" actId="1036"/>
+          <ac:spMkLst>
+            <pc:docMk/>
+            <pc:sldMk cId="0" sldId="271"/>
+            <ac:spMk id="9" creationId="{860DBDB8-8276-0324-ADF2-7A32E917D986}"/>
+          </ac:spMkLst>
+        </pc:spChg>
+      </pc:sldChg>
+      <pc:sldChg chg="modSp mod">
+        <pc:chgData name="Aisha Ntuli" userId="9e3e1cbc-968a-4935-af00-6383e8da95d2" providerId="ADAL" clId="{801039E0-E800-434D-8231-B55AB7448776}" dt="2024-12-13T20:09:50.223" v="118" actId="313"/>
         <pc:sldMkLst>
           <pc:docMk/>
           <pc:sldMk cId="1169195500" sldId="316"/>
         </pc:sldMkLst>
         <pc:spChg chg="mod">
-          <ac:chgData name="Aisha Ntuli" userId="9e3e1cbc-968a-4935-af00-6383e8da95d2" providerId="ADAL" clId="{801039E0-E800-434D-8231-B55AB7448776}" dt="2024-12-13T19:01:19.759" v="117" actId="20577"/>
+          <ac:chgData name="Aisha Ntuli" userId="9e3e1cbc-968a-4935-af00-6383e8da95d2" providerId="ADAL" clId="{801039E0-E800-434D-8231-B55AB7448776}" dt="2024-12-13T20:09:50.223" v="118" actId="313"/>
           <ac:spMkLst>
             <pc:docMk/>
             <pc:sldMk cId="1169195500" sldId="316"/>
@@ -21070,27 +21100,7 @@
                 <a:latin typeface="Actor"/>
                 <a:sym typeface="Actor"/>
               </a:rPr>
-              <a:t> I have chosen is cybersecurity and for my final year project I have been working on an application which I have titled “BioPass”.  The name is a </a:t>
-            </a:r>
-            <a:r>
-              <a:rPr lang="en-US" sz="1600" dirty="0" err="1">
-                <a:solidFill>
-                  <a:srgbClr val="FFFFFF"/>
-                </a:solidFill>
-                <a:latin typeface="Actor"/>
-                <a:sym typeface="Actor"/>
-              </a:rPr>
-              <a:t>portmonteau</a:t>
-            </a:r>
-            <a:r>
-              <a:rPr lang="en-US" sz="1600" dirty="0">
-                <a:solidFill>
-                  <a:srgbClr val="FFFFFF"/>
-                </a:solidFill>
-                <a:latin typeface="Actor"/>
-                <a:sym typeface="Actor"/>
-              </a:rPr>
-              <a:t> of the word “biometric” and “password”.</a:t>
+              <a:t> I have chosen is cybersecurity and for my final year project I have been working on an application which I have titled “BioPass”.  The name is a portmanteau of the word “biometric” and “password”.</a:t>
             </a:r>
           </a:p>
         </p:txBody>
@@ -21278,7 +21288,7 @@
         </p:nvSpPr>
         <p:spPr>
           <a:xfrm>
-            <a:off x="215199" y="979430"/>
+            <a:off x="215199" y="999526"/>
             <a:ext cx="8713602" cy="3795911"/>
           </a:xfrm>
           <a:prstGeom prst="rect">
@@ -21420,71 +21430,7 @@
                 <a:latin typeface="Actor"/>
                 <a:sym typeface="Actor"/>
               </a:rPr>
-              <a:t>Individuals and organizations requiring enhanced security for accessing sensitive data or </a:t>
-            </a:r>
-            <a:r>
-              <a:rPr kumimoji="0" lang="en-US" sz="1600" i="0" u="none" strike="noStrike" kern="0" cap="none" spc="0" normalizeH="0" baseline="0" noProof="0" dirty="0" err="1">
-                <a:ln>
-                  <a:noFill/>
-                </a:ln>
-                <a:solidFill>
-                  <a:srgbClr val="FFFFFF"/>
-                </a:solidFill>
-                <a:effectLst/>
-                <a:uLnTx/>
-                <a:uFillTx/>
-                <a:latin typeface="Actor"/>
-                <a:sym typeface="Actor"/>
-              </a:rPr>
-              <a:t>systems.Tech</a:t>
-            </a:r>
-            <a:r>
-              <a:rPr kumimoji="0" lang="en-US" sz="1600" i="0" u="none" strike="noStrike" kern="0" cap="none" spc="0" normalizeH="0" baseline="0" noProof="0" dirty="0">
-                <a:ln>
-                  <a:noFill/>
-                </a:ln>
-                <a:solidFill>
-                  <a:srgbClr val="FFFFFF"/>
-                </a:solidFill>
-                <a:effectLst/>
-                <a:uLnTx/>
-                <a:uFillTx/>
-                <a:latin typeface="Actor"/>
-                <a:sym typeface="Actor"/>
-              </a:rPr>
-              <a:t>-savvy consumers who value convenience in securing personal devices or </a:t>
-            </a:r>
-            <a:r>
-              <a:rPr kumimoji="0" lang="en-US" sz="1600" i="0" u="none" strike="noStrike" kern="0" cap="none" spc="0" normalizeH="0" baseline="0" noProof="0" dirty="0" err="1">
-                <a:ln>
-                  <a:noFill/>
-                </a:ln>
-                <a:solidFill>
-                  <a:srgbClr val="FFFFFF"/>
-                </a:solidFill>
-                <a:effectLst/>
-                <a:uLnTx/>
-                <a:uFillTx/>
-                <a:latin typeface="Actor"/>
-                <a:sym typeface="Actor"/>
-              </a:rPr>
-              <a:t>accounts.Industries</a:t>
-            </a:r>
-            <a:r>
-              <a:rPr kumimoji="0" lang="en-US" sz="1600" i="0" u="none" strike="noStrike" kern="0" cap="none" spc="0" normalizeH="0" baseline="0" noProof="0" dirty="0">
-                <a:ln>
-                  <a:noFill/>
-                </a:ln>
-                <a:solidFill>
-                  <a:srgbClr val="FFFFFF"/>
-                </a:solidFill>
-                <a:effectLst/>
-                <a:uLnTx/>
-                <a:uFillTx/>
-                <a:latin typeface="Actor"/>
-                <a:sym typeface="Actor"/>
-              </a:rPr>
-              <a:t> such as banking, healthcare, and government, where robust authentication methods are critical to protect against unauthorized access.</a:t>
+              <a:t>Individuals and organizations requiring enhanced security for accessing sensitive data or systems. Tech-savvy consumers who value convenience in securing personal devices or accounts. Industries such as banking, healthcare, and government, where robust authentication methods are critical to protect against unauthorized access.</a:t>
             </a:r>
           </a:p>
           <a:p>
@@ -21530,7 +21476,17 @@
                 <a:latin typeface="Actor"/>
                 <a:sym typeface="Actor"/>
               </a:rPr>
-              <a:t>Security gaps in existing authentication systems: Many current 2FA methods (e.g., SMS codes) are vulnerable to phishing, SIM swapping, and replay </a:t>
+              <a:t>Security gaps in existing authentication systems: Many current 2FA methods (e.g., SMS codes) are vulnerable to phishing, SIM swapping, and replay attacks. Lack of user engagement in facial recognition systems: Traditional Face ID solutions can be spoofed using photos or </a:t>
+            </a:r>
+            <a:r>
+              <a:rPr lang="en-US" sz="1600" dirty="0">
+                <a:solidFill>
+                  <a:srgbClr val="FFFFFF"/>
+                </a:solidFill>
+                <a:latin typeface="Actor"/>
+                <a:sym typeface="Actor"/>
+              </a:rPr>
+              <a:t>D</a:t>
             </a:r>
             <a:r>
               <a:rPr kumimoji="0" lang="en-US" sz="1600" b="0" i="0" u="none" strike="noStrike" kern="0" cap="none" spc="0" normalizeH="0" baseline="0" noProof="0" dirty="0" err="1">
@@ -21546,7 +21502,7 @@
                 <a:latin typeface="Actor"/>
                 <a:sym typeface="Actor"/>
               </a:rPr>
-              <a:t>attacks.Lack</a:t>
+              <a:t>eepFakes</a:t>
             </a:r>
             <a:r>
               <a:rPr kumimoji="0" lang="en-US" sz="1600" b="0" i="0" u="none" strike="noStrike" kern="0" cap="none" spc="0" normalizeH="0" baseline="0" noProof="0" dirty="0">
@@ -21562,39 +21518,7 @@
                 <a:latin typeface="Actor"/>
                 <a:sym typeface="Actor"/>
               </a:rPr>
-              <a:t> of user engagement in facial recognition systems: Traditional Face ID solutions can be spoofed using photos or </a:t>
-            </a:r>
-            <a:r>
-              <a:rPr kumimoji="0" lang="en-US" sz="1600" b="0" i="0" u="none" strike="noStrike" kern="0" cap="none" spc="0" normalizeH="0" baseline="0" noProof="0" dirty="0" err="1">
-                <a:ln>
-                  <a:noFill/>
-                </a:ln>
-                <a:solidFill>
-                  <a:srgbClr val="FFFFFF"/>
-                </a:solidFill>
-                <a:effectLst/>
-                <a:uLnTx/>
-                <a:uFillTx/>
-                <a:latin typeface="Actor"/>
-                <a:sym typeface="Actor"/>
-              </a:rPr>
-              <a:t>deepfakes.Easy</a:t>
-            </a:r>
-            <a:r>
-              <a:rPr kumimoji="0" lang="en-US" sz="1600" b="0" i="0" u="none" strike="noStrike" kern="0" cap="none" spc="0" normalizeH="0" baseline="0" noProof="0" dirty="0">
-                <a:ln>
-                  <a:noFill/>
-                </a:ln>
-                <a:solidFill>
-                  <a:srgbClr val="FFFFFF"/>
-                </a:solidFill>
-                <a:effectLst/>
-                <a:uLnTx/>
-                <a:uFillTx/>
-                <a:latin typeface="Actor"/>
-                <a:sym typeface="Actor"/>
-              </a:rPr>
-              <a:t>-to-use yet secure, leveraging widely available laptop cameras.</a:t>
+              <a:t>. Easy-to-use yet secure, leveraging widely available laptop cameras.</a:t>
             </a:r>
           </a:p>
         </p:txBody>
@@ -25361,7 +25285,7 @@
         </p:nvSpPr>
         <p:spPr>
           <a:xfrm>
-            <a:off x="236134" y="2750799"/>
+            <a:off x="236134" y="2730703"/>
             <a:ext cx="7502329" cy="1708160"/>
           </a:xfrm>
           <a:prstGeom prst="rect">
